--- a/Posts/Lecture_9-_Neural_Machine_Translation_I.pptx
+++ b/Posts/Lecture_9-_Neural_Machine_Translation_I.pptx
@@ -119,6 +119,11 @@
       </a:defRPr>
     </a:lvl9pPr>
   </p:defaultTextStyle>
+  <p:extLst>
+    <p:ext uri="{EFAFB233-063F-42B5-8137-9DF3F51BA10A}">
+      <p15:sldGuideLst xmlns:p15="http://schemas.microsoft.com/office/powerpoint/2012/main"/>
+    </p:ext>
+  </p:extLst>
 </p:presentation>
 </file>
 
@@ -269,7 +274,7 @@
           <a:p>
             <a:fld id="{5E4B0CCB-4D96-439A-94BC-EE7502971A02}" type="datetimeFigureOut">
               <a:rPr lang="en-US" smtClean="0"/>
-              <a:t>10/1/2024</a:t>
+              <a:t>10/2/24</a:t>
             </a:fld>
             <a:endParaRPr lang="en-US"/>
           </a:p>
@@ -467,7 +472,7 @@
           <a:p>
             <a:fld id="{5E4B0CCB-4D96-439A-94BC-EE7502971A02}" type="datetimeFigureOut">
               <a:rPr lang="en-US" smtClean="0"/>
-              <a:t>10/1/2024</a:t>
+              <a:t>10/2/24</a:t>
             </a:fld>
             <a:endParaRPr lang="en-US"/>
           </a:p>
@@ -675,7 +680,7 @@
           <a:p>
             <a:fld id="{5E4B0CCB-4D96-439A-94BC-EE7502971A02}" type="datetimeFigureOut">
               <a:rPr lang="en-US" smtClean="0"/>
-              <a:t>10/1/2024</a:t>
+              <a:t>10/2/24</a:t>
             </a:fld>
             <a:endParaRPr lang="en-US"/>
           </a:p>
@@ -873,7 +878,7 @@
           <a:p>
             <a:fld id="{5E4B0CCB-4D96-439A-94BC-EE7502971A02}" type="datetimeFigureOut">
               <a:rPr lang="en-US" smtClean="0"/>
-              <a:t>10/1/2024</a:t>
+              <a:t>10/2/24</a:t>
             </a:fld>
             <a:endParaRPr lang="en-US"/>
           </a:p>
@@ -1148,7 +1153,7 @@
           <a:p>
             <a:fld id="{5E4B0CCB-4D96-439A-94BC-EE7502971A02}" type="datetimeFigureOut">
               <a:rPr lang="en-US" smtClean="0"/>
-              <a:t>10/1/2024</a:t>
+              <a:t>10/2/24</a:t>
             </a:fld>
             <a:endParaRPr lang="en-US"/>
           </a:p>
@@ -1413,7 +1418,7 @@
           <a:p>
             <a:fld id="{5E4B0CCB-4D96-439A-94BC-EE7502971A02}" type="datetimeFigureOut">
               <a:rPr lang="en-US" smtClean="0"/>
-              <a:t>10/1/2024</a:t>
+              <a:t>10/2/24</a:t>
             </a:fld>
             <a:endParaRPr lang="en-US"/>
           </a:p>
@@ -1825,7 +1830,7 @@
           <a:p>
             <a:fld id="{5E4B0CCB-4D96-439A-94BC-EE7502971A02}" type="datetimeFigureOut">
               <a:rPr lang="en-US" smtClean="0"/>
-              <a:t>10/1/2024</a:t>
+              <a:t>10/2/24</a:t>
             </a:fld>
             <a:endParaRPr lang="en-US"/>
           </a:p>
@@ -1966,7 +1971,7 @@
           <a:p>
             <a:fld id="{5E4B0CCB-4D96-439A-94BC-EE7502971A02}" type="datetimeFigureOut">
               <a:rPr lang="en-US" smtClean="0"/>
-              <a:t>10/1/2024</a:t>
+              <a:t>10/2/24</a:t>
             </a:fld>
             <a:endParaRPr lang="en-US"/>
           </a:p>
@@ -2079,7 +2084,7 @@
           <a:p>
             <a:fld id="{5E4B0CCB-4D96-439A-94BC-EE7502971A02}" type="datetimeFigureOut">
               <a:rPr lang="en-US" smtClean="0"/>
-              <a:t>10/1/2024</a:t>
+              <a:t>10/2/24</a:t>
             </a:fld>
             <a:endParaRPr lang="en-US"/>
           </a:p>
@@ -2390,7 +2395,7 @@
           <a:p>
             <a:fld id="{5E4B0CCB-4D96-439A-94BC-EE7502971A02}" type="datetimeFigureOut">
               <a:rPr lang="en-US" smtClean="0"/>
-              <a:t>10/1/2024</a:t>
+              <a:t>10/2/24</a:t>
             </a:fld>
             <a:endParaRPr lang="en-US"/>
           </a:p>
@@ -2678,7 +2683,7 @@
           <a:p>
             <a:fld id="{5E4B0CCB-4D96-439A-94BC-EE7502971A02}" type="datetimeFigureOut">
               <a:rPr lang="en-US" smtClean="0"/>
-              <a:t>10/1/2024</a:t>
+              <a:t>10/2/24</a:t>
             </a:fld>
             <a:endParaRPr lang="en-US"/>
           </a:p>
@@ -2919,7 +2924,7 @@
           <a:p>
             <a:fld id="{5E4B0CCB-4D96-439A-94BC-EE7502971A02}" type="datetimeFigureOut">
               <a:rPr lang="en-US" smtClean="0"/>
-              <a:t>10/1/2024</a:t>
+              <a:t>10/2/24</a:t>
             </a:fld>
             <a:endParaRPr lang="en-US"/>
           </a:p>
@@ -3475,8 +3480,8 @@
           </a:p>
         </p:txBody>
       </p:sp>
-      <mc:AlternateContent xmlns:mc="http://schemas.openxmlformats.org/markup-compatibility/2006">
-        <mc:Choice xmlns:a14="http://schemas.microsoft.com/office/drawing/2010/main" Requires="a14">
+      <mc:AlternateContent xmlns:mc="http://schemas.openxmlformats.org/markup-compatibility/2006" xmlns:a14="http://schemas.microsoft.com/office/drawing/2010/main">
+        <mc:Choice Requires="a14">
           <p:sp>
             <p:nvSpPr>
               <p:cNvPr id="4" name="TextBox 3">
@@ -3505,6 +3510,7 @@
               </a:bodyPr>
               <a:lstStyle/>
               <a:p>
+                <a:pPr/>
                 <a14:m>
                   <m:oMathPara xmlns:m="http://schemas.openxmlformats.org/officeDocument/2006/math">
                     <m:oMathParaPr>
@@ -3667,7 +3673,7 @@
             </p:txBody>
           </p:sp>
         </mc:Choice>
-        <mc:Fallback>
+        <mc:Fallback xmlns="">
           <p:sp>
             <p:nvSpPr>
               <p:cNvPr id="4" name="TextBox 3">
@@ -3712,8 +3718,8 @@
           </p:sp>
         </mc:Fallback>
       </mc:AlternateContent>
-      <mc:AlternateContent xmlns:mc="http://schemas.openxmlformats.org/markup-compatibility/2006">
-        <mc:Choice xmlns:a14="http://schemas.microsoft.com/office/drawing/2010/main" Requires="a14">
+      <mc:AlternateContent xmlns:mc="http://schemas.openxmlformats.org/markup-compatibility/2006" xmlns:a14="http://schemas.microsoft.com/office/drawing/2010/main">
+        <mc:Choice Requires="a14">
           <p:sp>
             <p:nvSpPr>
               <p:cNvPr id="5" name="TextBox 4">
@@ -4010,7 +4016,7 @@
             </p:txBody>
           </p:sp>
         </mc:Choice>
-        <mc:Fallback>
+        <mc:Fallback xmlns="">
           <p:sp>
             <p:nvSpPr>
               <p:cNvPr id="5" name="TextBox 4">
@@ -4055,8 +4061,8 @@
           </p:sp>
         </mc:Fallback>
       </mc:AlternateContent>
-      <mc:AlternateContent xmlns:mc="http://schemas.openxmlformats.org/markup-compatibility/2006">
-        <mc:Choice xmlns:a14="http://schemas.microsoft.com/office/drawing/2010/main" Requires="a14">
+      <mc:AlternateContent xmlns:mc="http://schemas.openxmlformats.org/markup-compatibility/2006" xmlns:a14="http://schemas.microsoft.com/office/drawing/2010/main">
+        <mc:Choice Requires="a14">
           <p:sp>
             <p:nvSpPr>
               <p:cNvPr id="6" name="TextBox 5">
@@ -4085,6 +4091,7 @@
               </a:bodyPr>
               <a:lstStyle/>
               <a:p>
+                <a:pPr/>
                 <a14:m>
                   <m:oMathPara xmlns:m="http://schemas.openxmlformats.org/officeDocument/2006/math">
                     <m:oMathParaPr>
@@ -4471,7 +4478,7 @@
             </p:txBody>
           </p:sp>
         </mc:Choice>
-        <mc:Fallback>
+        <mc:Fallback xmlns="">
           <p:sp>
             <p:nvSpPr>
               <p:cNvPr id="6" name="TextBox 5">
@@ -4516,8 +4523,8 @@
           </p:sp>
         </mc:Fallback>
       </mc:AlternateContent>
-      <mc:AlternateContent xmlns:mc="http://schemas.openxmlformats.org/markup-compatibility/2006">
-        <mc:Choice xmlns:a14="http://schemas.microsoft.com/office/drawing/2010/main" Requires="a14">
+      <mc:AlternateContent xmlns:mc="http://schemas.openxmlformats.org/markup-compatibility/2006" xmlns:a14="http://schemas.microsoft.com/office/drawing/2010/main">
+        <mc:Choice Requires="a14">
           <p:sp>
             <p:nvSpPr>
               <p:cNvPr id="7" name="TextBox 6">
@@ -4546,6 +4553,7 @@
               </a:bodyPr>
               <a:lstStyle/>
               <a:p>
+                <a:pPr/>
                 <a14:m>
                   <m:oMathPara xmlns:m="http://schemas.openxmlformats.org/officeDocument/2006/math">
                     <m:oMathParaPr>
@@ -4619,7 +4627,7 @@
             </p:txBody>
           </p:sp>
         </mc:Choice>
-        <mc:Fallback>
+        <mc:Fallback xmlns="">
           <p:sp>
             <p:nvSpPr>
               <p:cNvPr id="7" name="TextBox 6">
@@ -4664,8 +4672,8 @@
           </p:sp>
         </mc:Fallback>
       </mc:AlternateContent>
-      <mc:AlternateContent xmlns:mc="http://schemas.openxmlformats.org/markup-compatibility/2006">
-        <mc:Choice xmlns:a14="http://schemas.microsoft.com/office/drawing/2010/main" Requires="a14">
+      <mc:AlternateContent xmlns:mc="http://schemas.openxmlformats.org/markup-compatibility/2006" xmlns:a14="http://schemas.microsoft.com/office/drawing/2010/main">
+        <mc:Choice Requires="a14">
           <p:sp>
             <p:nvSpPr>
               <p:cNvPr id="8" name="TextBox 7">
@@ -4883,7 +4891,7 @@
             </p:txBody>
           </p:sp>
         </mc:Choice>
-        <mc:Fallback>
+        <mc:Fallback xmlns="">
           <p:sp>
             <p:nvSpPr>
               <p:cNvPr id="8" name="TextBox 7">
@@ -4928,8 +4936,8 @@
           </p:sp>
         </mc:Fallback>
       </mc:AlternateContent>
-      <mc:AlternateContent xmlns:mc="http://schemas.openxmlformats.org/markup-compatibility/2006">
-        <mc:Choice xmlns:a14="http://schemas.microsoft.com/office/drawing/2010/main" Requires="a14">
+      <mc:AlternateContent xmlns:mc="http://schemas.openxmlformats.org/markup-compatibility/2006" xmlns:a14="http://schemas.microsoft.com/office/drawing/2010/main">
+        <mc:Choice Requires="a14">
           <p:sp>
             <p:nvSpPr>
               <p:cNvPr id="9" name="TextBox 8">
@@ -4958,6 +4966,7 @@
               </a:bodyPr>
               <a:lstStyle/>
               <a:p>
+                <a:pPr/>
                 <a14:m>
                   <m:oMathPara xmlns:m="http://schemas.openxmlformats.org/officeDocument/2006/math">
                     <m:oMathParaPr>
@@ -5100,7 +5109,13 @@
                                 <a:rPr lang="en-US" sz="2800" b="0" i="1" smtClean="0">
                                   <a:latin typeface="Cambria Math" panose="02040503050406030204" pitchFamily="18" charset="0"/>
                                 </a:rPr>
-                                <m:t>=1</m:t>
+                                <m:t>=</m:t>
+                              </m:r>
+                              <m:r>
+                                <a:rPr lang="en-US" sz="2800" b="0" i="1" smtClean="0">
+                                  <a:latin typeface="Cambria Math" panose="02040503050406030204" pitchFamily="18" charset="0"/>
+                                </a:rPr>
+                                <m:t>1</m:t>
                               </m:r>
                             </m:sub>
                             <m:sup>
@@ -5220,7 +5235,7 @@
             </p:txBody>
           </p:sp>
         </mc:Choice>
-        <mc:Fallback>
+        <mc:Fallback xmlns="">
           <p:sp>
             <p:nvSpPr>
               <p:cNvPr id="9" name="TextBox 8">
@@ -5708,8 +5723,8 @@
           </a:p>
         </p:txBody>
       </p:sp>
-      <mc:AlternateContent xmlns:mc="http://schemas.openxmlformats.org/markup-compatibility/2006">
-        <mc:Choice xmlns:a14="http://schemas.microsoft.com/office/drawing/2010/main" Requires="a14">
+      <mc:AlternateContent xmlns:mc="http://schemas.openxmlformats.org/markup-compatibility/2006" xmlns:a14="http://schemas.microsoft.com/office/drawing/2010/main">
+        <mc:Choice Requires="a14">
           <p:sp>
             <p:nvSpPr>
               <p:cNvPr id="4" name="TextBox 3">
@@ -5738,6 +5753,7 @@
               </a:bodyPr>
               <a:lstStyle/>
               <a:p>
+                <a:pPr/>
                 <a14:m>
                   <m:oMathPara xmlns:m="http://schemas.openxmlformats.org/officeDocument/2006/math">
                     <m:oMathParaPr>
@@ -5900,7 +5916,7 @@
             </p:txBody>
           </p:sp>
         </mc:Choice>
-        <mc:Fallback>
+        <mc:Fallback xmlns="">
           <p:sp>
             <p:nvSpPr>
               <p:cNvPr id="4" name="TextBox 3">
@@ -5945,8 +5961,8 @@
           </p:sp>
         </mc:Fallback>
       </mc:AlternateContent>
-      <mc:AlternateContent xmlns:mc="http://schemas.openxmlformats.org/markup-compatibility/2006">
-        <mc:Choice xmlns:a14="http://schemas.microsoft.com/office/drawing/2010/main" Requires="a14">
+      <mc:AlternateContent xmlns:mc="http://schemas.openxmlformats.org/markup-compatibility/2006" xmlns:a14="http://schemas.microsoft.com/office/drawing/2010/main">
+        <mc:Choice Requires="a14">
           <p:sp>
             <p:nvSpPr>
               <p:cNvPr id="5" name="TextBox 4">
@@ -6243,7 +6259,7 @@
             </p:txBody>
           </p:sp>
         </mc:Choice>
-        <mc:Fallback>
+        <mc:Fallback xmlns="">
           <p:sp>
             <p:nvSpPr>
               <p:cNvPr id="5" name="TextBox 4">
@@ -6288,8 +6304,8 @@
           </p:sp>
         </mc:Fallback>
       </mc:AlternateContent>
-      <mc:AlternateContent xmlns:mc="http://schemas.openxmlformats.org/markup-compatibility/2006">
-        <mc:Choice xmlns:a14="http://schemas.microsoft.com/office/drawing/2010/main" Requires="a14">
+      <mc:AlternateContent xmlns:mc="http://schemas.openxmlformats.org/markup-compatibility/2006" xmlns:a14="http://schemas.microsoft.com/office/drawing/2010/main">
+        <mc:Choice Requires="a14">
           <p:sp>
             <p:nvSpPr>
               <p:cNvPr id="6" name="TextBox 5">
@@ -6318,6 +6334,7 @@
               </a:bodyPr>
               <a:lstStyle/>
               <a:p>
+                <a:pPr/>
                 <a14:m>
                   <m:oMathPara xmlns:m="http://schemas.openxmlformats.org/officeDocument/2006/math">
                     <m:oMathParaPr>
@@ -6704,7 +6721,7 @@
             </p:txBody>
           </p:sp>
         </mc:Choice>
-        <mc:Fallback>
+        <mc:Fallback xmlns="">
           <p:sp>
             <p:nvSpPr>
               <p:cNvPr id="6" name="TextBox 5">
@@ -8987,8 +9004,8 @@
           </p:txBody>
         </p:sp>
       </p:grpSp>
-      <mc:AlternateContent xmlns:mc="http://schemas.openxmlformats.org/markup-compatibility/2006">
-        <mc:Choice xmlns:a14="http://schemas.microsoft.com/office/drawing/2010/main" Requires="a14">
+      <mc:AlternateContent xmlns:mc="http://schemas.openxmlformats.org/markup-compatibility/2006" xmlns:a14="http://schemas.microsoft.com/office/drawing/2010/main">
+        <mc:Choice Requires="a14">
           <p:sp>
             <p:nvSpPr>
               <p:cNvPr id="48" name="TextBox 47">
@@ -9017,6 +9034,7 @@
               </a:bodyPr>
               <a:lstStyle/>
               <a:p>
+                <a:pPr/>
                 <a14:m>
                   <m:oMathPara xmlns:m="http://schemas.openxmlformats.org/officeDocument/2006/math">
                     <m:oMathParaPr>
@@ -9100,7 +9118,7 @@
             </p:txBody>
           </p:sp>
         </mc:Choice>
-        <mc:Fallback>
+        <mc:Fallback xmlns="">
           <p:sp>
             <p:nvSpPr>
               <p:cNvPr id="48" name="TextBox 47">
@@ -9594,8 +9612,8 @@
           </a:p>
         </p:txBody>
       </p:sp>
-      <mc:AlternateContent xmlns:mc="http://schemas.openxmlformats.org/markup-compatibility/2006">
-        <mc:Choice xmlns:a14="http://schemas.microsoft.com/office/drawing/2010/main" Requires="a14">
+      <mc:AlternateContent xmlns:mc="http://schemas.openxmlformats.org/markup-compatibility/2006" xmlns:a14="http://schemas.microsoft.com/office/drawing/2010/main">
+        <mc:Choice Requires="a14">
           <p:sp>
             <p:nvSpPr>
               <p:cNvPr id="69" name="TextBox 68">
@@ -9624,6 +9642,7 @@
               </a:bodyPr>
               <a:lstStyle/>
               <a:p>
+                <a:pPr/>
                 <a14:m>
                   <m:oMathPara xmlns:m="http://schemas.openxmlformats.org/officeDocument/2006/math">
                     <m:oMathParaPr>
@@ -9647,7 +9666,7 @@
             </p:txBody>
           </p:sp>
         </mc:Choice>
-        <mc:Fallback>
+        <mc:Fallback xmlns="">
           <p:sp>
             <p:nvSpPr>
               <p:cNvPr id="69" name="TextBox 68">
@@ -10858,8 +10877,8 @@
           </a:p>
         </p:txBody>
       </p:sp>
-      <mc:AlternateContent xmlns:mc="http://schemas.openxmlformats.org/markup-compatibility/2006">
-        <mc:Choice xmlns:a14="http://schemas.microsoft.com/office/drawing/2010/main" Requires="a14">
+      <mc:AlternateContent xmlns:mc="http://schemas.openxmlformats.org/markup-compatibility/2006" xmlns:a14="http://schemas.microsoft.com/office/drawing/2010/main">
+        <mc:Choice Requires="a14">
           <p:sp>
             <p:nvSpPr>
               <p:cNvPr id="3" name="Content Placeholder 2">
@@ -11393,13 +11412,7 @@
                         <a:rPr lang="en-US" b="0" i="1" smtClean="0">
                           <a:latin typeface="Cambria Math" panose="02040503050406030204" pitchFamily="18" charset="0"/>
                         </a:rPr>
-                        <m:t>]</m:t>
-                      </m:r>
-                      <m:r>
-                        <a:rPr lang="en-US" b="0" i="1" smtClean="0">
-                          <a:latin typeface="Cambria Math" panose="02040503050406030204" pitchFamily="18" charset="0"/>
-                        </a:rPr>
-                        <m:t>=</m:t>
+                        <m:t>]=</m:t>
                       </m:r>
                       <m:nary>
                         <m:naryPr>
@@ -12268,7 +12281,7 @@
             </p:txBody>
           </p:sp>
         </mc:Choice>
-        <mc:Fallback>
+        <mc:Fallback xmlns="">
           <p:sp>
             <p:nvSpPr>
               <p:cNvPr id="3" name="Content Placeholder 2">
@@ -13086,8 +13099,8 @@
           </a:p>
         </p:txBody>
       </p:sp>
-      <mc:AlternateContent xmlns:mc="http://schemas.openxmlformats.org/markup-compatibility/2006">
-        <mc:Choice xmlns:a14="http://schemas.microsoft.com/office/drawing/2010/main" Requires="a14">
+      <mc:AlternateContent xmlns:mc="http://schemas.openxmlformats.org/markup-compatibility/2006" xmlns:a14="http://schemas.microsoft.com/office/drawing/2010/main">
+        <mc:Choice Requires="a14">
           <p:sp>
             <p:nvSpPr>
               <p:cNvPr id="3" name="Content Placeholder 2">
@@ -13435,7 +13448,7 @@
             </p:txBody>
           </p:sp>
         </mc:Choice>
-        <mc:Fallback>
+        <mc:Fallback xmlns="">
           <p:sp>
             <p:nvSpPr>
               <p:cNvPr id="3" name="Content Placeholder 2">
@@ -14401,8 +14414,8 @@
           </a:p>
         </p:txBody>
       </p:sp>
-      <mc:AlternateContent xmlns:mc="http://schemas.openxmlformats.org/markup-compatibility/2006">
-        <mc:Choice xmlns:a14="http://schemas.microsoft.com/office/drawing/2010/main" Requires="a14">
+      <mc:AlternateContent xmlns:mc="http://schemas.openxmlformats.org/markup-compatibility/2006" xmlns:a14="http://schemas.microsoft.com/office/drawing/2010/main">
+        <mc:Choice Requires="a14">
           <p:sp>
             <p:nvSpPr>
               <p:cNvPr id="5" name="TextBox 4">
@@ -14796,7 +14809,7 @@
             </p:txBody>
           </p:sp>
         </mc:Choice>
-        <mc:Fallback>
+        <mc:Fallback xmlns="">
           <p:sp>
             <p:nvSpPr>
               <p:cNvPr id="5" name="TextBox 4">
@@ -14841,8 +14854,8 @@
           </p:sp>
         </mc:Fallback>
       </mc:AlternateContent>
-      <mc:AlternateContent xmlns:mc="http://schemas.openxmlformats.org/markup-compatibility/2006">
-        <mc:Choice xmlns:a14="http://schemas.microsoft.com/office/drawing/2010/main" Requires="a14">
+      <mc:AlternateContent xmlns:mc="http://schemas.openxmlformats.org/markup-compatibility/2006" xmlns:a14="http://schemas.microsoft.com/office/drawing/2010/main">
+        <mc:Choice Requires="a14">
           <p:sp>
             <p:nvSpPr>
               <p:cNvPr id="6" name="TextBox 5">
@@ -15236,7 +15249,7 @@
             </p:txBody>
           </p:sp>
         </mc:Choice>
-        <mc:Fallback>
+        <mc:Fallback xmlns="">
           <p:sp>
             <p:nvSpPr>
               <p:cNvPr id="6" name="TextBox 5">
@@ -15832,8 +15845,8 @@
           </a:p>
         </p:txBody>
       </p:sp>
-      <mc:AlternateContent xmlns:mc="http://schemas.openxmlformats.org/markup-compatibility/2006">
-        <mc:Choice xmlns:a14="http://schemas.microsoft.com/office/drawing/2010/main" Requires="a14">
+      <mc:AlternateContent xmlns:mc="http://schemas.openxmlformats.org/markup-compatibility/2006" xmlns:a14="http://schemas.microsoft.com/office/drawing/2010/main">
+        <mc:Choice Requires="a14">
           <p:sp>
             <p:nvSpPr>
               <p:cNvPr id="6" name="TextBox 5">
@@ -16227,7 +16240,7 @@
             </p:txBody>
           </p:sp>
         </mc:Choice>
-        <mc:Fallback>
+        <mc:Fallback xmlns="">
           <p:sp>
             <p:nvSpPr>
               <p:cNvPr id="6" name="TextBox 5">
@@ -16272,8 +16285,8 @@
           </p:sp>
         </mc:Fallback>
       </mc:AlternateContent>
-      <mc:AlternateContent xmlns:mc="http://schemas.openxmlformats.org/markup-compatibility/2006">
-        <mc:Choice xmlns:a14="http://schemas.microsoft.com/office/drawing/2010/main" Requires="a14">
+      <mc:AlternateContent xmlns:mc="http://schemas.openxmlformats.org/markup-compatibility/2006" xmlns:a14="http://schemas.microsoft.com/office/drawing/2010/main">
+        <mc:Choice Requires="a14">
           <p:sp>
             <p:nvSpPr>
               <p:cNvPr id="4" name="TextBox 3">
@@ -16667,7 +16680,7 @@
             </p:txBody>
           </p:sp>
         </mc:Choice>
-        <mc:Fallback>
+        <mc:Fallback xmlns="">
           <p:sp>
             <p:nvSpPr>
               <p:cNvPr id="4" name="TextBox 3">
@@ -17172,8 +17185,8 @@
           </a:p>
         </p:txBody>
       </p:sp>
-      <mc:AlternateContent xmlns:mc="http://schemas.openxmlformats.org/markup-compatibility/2006">
-        <mc:Choice xmlns:a14="http://schemas.microsoft.com/office/drawing/2010/main" Requires="a14">
+      <mc:AlternateContent xmlns:mc="http://schemas.openxmlformats.org/markup-compatibility/2006" xmlns:a14="http://schemas.microsoft.com/office/drawing/2010/main">
+        <mc:Choice Requires="a14">
           <p:sp>
             <p:nvSpPr>
               <p:cNvPr id="3" name="Content Placeholder 2">
@@ -17416,7 +17429,7 @@
                     <m:sSub>
                       <m:sSubPr>
                         <m:ctrlPr>
-                          <a:rPr lang="en-US" b="0" i="0" smtClean="0">
+                          <a:rPr lang="en-US" b="0" i="1" smtClean="0">
                             <a:solidFill>
                               <a:srgbClr val="7030A0"/>
                             </a:solidFill>
@@ -17804,7 +17817,7 @@
             </p:txBody>
           </p:sp>
         </mc:Choice>
-        <mc:Fallback>
+        <mc:Fallback xmlns="">
           <p:sp>
             <p:nvSpPr>
               <p:cNvPr id="3" name="Content Placeholder 2">
@@ -17848,8 +17861,8 @@
           </p:sp>
         </mc:Fallback>
       </mc:AlternateContent>
-      <mc:AlternateContent xmlns:mc="http://schemas.openxmlformats.org/markup-compatibility/2006">
-        <mc:Choice xmlns:a14="http://schemas.microsoft.com/office/drawing/2010/main" Requires="a14">
+      <mc:AlternateContent xmlns:mc="http://schemas.openxmlformats.org/markup-compatibility/2006" xmlns:a14="http://schemas.microsoft.com/office/drawing/2010/main">
+        <mc:Choice Requires="a14">
           <p:sp>
             <p:nvSpPr>
               <p:cNvPr id="4" name="TextBox 3">
@@ -18258,7 +18271,7 @@
             </p:txBody>
           </p:sp>
         </mc:Choice>
-        <mc:Fallback>
+        <mc:Fallback xmlns="">
           <p:sp>
             <p:nvSpPr>
               <p:cNvPr id="4" name="TextBox 3">
@@ -18303,8 +18316,8 @@
           </p:sp>
         </mc:Fallback>
       </mc:AlternateContent>
-      <mc:AlternateContent xmlns:mc="http://schemas.openxmlformats.org/markup-compatibility/2006">
-        <mc:Choice xmlns:a14="http://schemas.microsoft.com/office/drawing/2010/main" Requires="a14">
+      <mc:AlternateContent xmlns:mc="http://schemas.openxmlformats.org/markup-compatibility/2006" xmlns:a14="http://schemas.microsoft.com/office/drawing/2010/main">
+        <mc:Choice Requires="a14">
           <p:sp>
             <p:nvSpPr>
               <p:cNvPr id="8" name="TextBox 7">
@@ -18408,7 +18421,7 @@
             </p:txBody>
           </p:sp>
         </mc:Choice>
-        <mc:Fallback>
+        <mc:Fallback xmlns="">
           <p:sp>
             <p:nvSpPr>
               <p:cNvPr id="8" name="TextBox 7">
@@ -18453,8 +18466,8 @@
           </p:sp>
         </mc:Fallback>
       </mc:AlternateContent>
-      <mc:AlternateContent xmlns:mc="http://schemas.openxmlformats.org/markup-compatibility/2006">
-        <mc:Choice xmlns:a14="http://schemas.microsoft.com/office/drawing/2010/main" Requires="a14">
+      <mc:AlternateContent xmlns:mc="http://schemas.openxmlformats.org/markup-compatibility/2006" xmlns:a14="http://schemas.microsoft.com/office/drawing/2010/main">
+        <mc:Choice Requires="a14">
           <p:sp>
             <p:nvSpPr>
               <p:cNvPr id="10" name="TextBox 9">
@@ -18558,7 +18571,7 @@
             </p:txBody>
           </p:sp>
         </mc:Choice>
-        <mc:Fallback>
+        <mc:Fallback xmlns="">
           <p:sp>
             <p:nvSpPr>
               <p:cNvPr id="10" name="TextBox 9">
@@ -18603,8 +18616,8 @@
           </p:sp>
         </mc:Fallback>
       </mc:AlternateContent>
-      <mc:AlternateContent xmlns:mc="http://schemas.openxmlformats.org/markup-compatibility/2006">
-        <mc:Choice xmlns:a14="http://schemas.microsoft.com/office/drawing/2010/main" Requires="a14">
+      <mc:AlternateContent xmlns:mc="http://schemas.openxmlformats.org/markup-compatibility/2006" xmlns:a14="http://schemas.microsoft.com/office/drawing/2010/main">
+        <mc:Choice Requires="a14">
           <p:sp>
             <p:nvSpPr>
               <p:cNvPr id="12" name="TextBox 11">
@@ -18816,7 +18829,7 @@
             </p:txBody>
           </p:sp>
         </mc:Choice>
-        <mc:Fallback>
+        <mc:Fallback xmlns="">
           <p:sp>
             <p:nvSpPr>
               <p:cNvPr id="12" name="TextBox 11">
@@ -18861,8 +18874,8 @@
           </p:sp>
         </mc:Fallback>
       </mc:AlternateContent>
-      <mc:AlternateContent xmlns:mc="http://schemas.openxmlformats.org/markup-compatibility/2006">
-        <mc:Choice xmlns:a14="http://schemas.microsoft.com/office/drawing/2010/main" Requires="a14">
+      <mc:AlternateContent xmlns:mc="http://schemas.openxmlformats.org/markup-compatibility/2006" xmlns:a14="http://schemas.microsoft.com/office/drawing/2010/main">
+        <mc:Choice Requires="a14">
           <p:sp>
             <p:nvSpPr>
               <p:cNvPr id="13" name="TextBox 12">
@@ -18921,7 +18934,7 @@
                     <m:sSup>
                       <m:sSupPr>
                         <m:ctrlPr>
-                          <a:rPr lang="en-US" b="0" i="0" smtClean="0">
+                          <a:rPr lang="en-US" b="0" i="1" smtClean="0">
                             <a:solidFill>
                               <a:schemeClr val="tx1"/>
                             </a:solidFill>
@@ -18962,7 +18975,7 @@
             </p:txBody>
           </p:sp>
         </mc:Choice>
-        <mc:Fallback>
+        <mc:Fallback xmlns="">
           <p:sp>
             <p:nvSpPr>
               <p:cNvPr id="13" name="TextBox 12">
@@ -19817,8 +19830,8 @@
           </a:p>
         </p:txBody>
       </p:sp>
-      <mc:AlternateContent xmlns:mc="http://schemas.openxmlformats.org/markup-compatibility/2006">
-        <mc:Choice xmlns:a14="http://schemas.microsoft.com/office/drawing/2010/main" Requires="a14">
+      <mc:AlternateContent xmlns:mc="http://schemas.openxmlformats.org/markup-compatibility/2006" xmlns:a14="http://schemas.microsoft.com/office/drawing/2010/main">
+        <mc:Choice Requires="a14">
           <p:sp>
             <p:nvSpPr>
               <p:cNvPr id="3" name="Content Placeholder 2">
@@ -20303,7 +20316,7 @@
             </p:txBody>
           </p:sp>
         </mc:Choice>
-        <mc:Fallback>
+        <mc:Fallback xmlns="">
           <p:sp>
             <p:nvSpPr>
               <p:cNvPr id="3" name="Content Placeholder 2">
@@ -21174,8 +21187,8 @@
           </a:p>
         </p:txBody>
       </p:sp>
-      <mc:AlternateContent xmlns:mc="http://schemas.openxmlformats.org/markup-compatibility/2006">
-        <mc:Choice xmlns:a14="http://schemas.microsoft.com/office/drawing/2010/main" Requires="a14">
+      <mc:AlternateContent xmlns:mc="http://schemas.openxmlformats.org/markup-compatibility/2006" xmlns:a14="http://schemas.microsoft.com/office/drawing/2010/main">
+        <mc:Choice Requires="a14">
           <p:sp>
             <p:nvSpPr>
               <p:cNvPr id="3" name="Content Placeholder 2">
@@ -21427,7 +21440,7 @@
             </p:txBody>
           </p:sp>
         </mc:Choice>
-        <mc:Fallback>
+        <mc:Fallback xmlns="">
           <p:sp>
             <p:nvSpPr>
               <p:cNvPr id="3" name="Content Placeholder 2">
@@ -21524,8 +21537,8 @@
           </a:p>
         </p:txBody>
       </p:sp>
-      <mc:AlternateContent xmlns:mc="http://schemas.openxmlformats.org/markup-compatibility/2006">
-        <mc:Choice xmlns:a14="http://schemas.microsoft.com/office/drawing/2010/main" Requires="a14">
+      <mc:AlternateContent xmlns:mc="http://schemas.openxmlformats.org/markup-compatibility/2006" xmlns:a14="http://schemas.microsoft.com/office/drawing/2010/main">
+        <mc:Choice Requires="a14">
           <p:sp>
             <p:nvSpPr>
               <p:cNvPr id="5" name="TextBox 4">
@@ -21606,7 +21619,7 @@
             </p:txBody>
           </p:sp>
         </mc:Choice>
-        <mc:Fallback>
+        <mc:Fallback xmlns="">
           <p:sp>
             <p:nvSpPr>
               <p:cNvPr id="5" name="TextBox 4">
@@ -21879,8 +21892,8 @@
           </a:p>
         </p:txBody>
       </p:sp>
-      <mc:AlternateContent xmlns:mc="http://schemas.openxmlformats.org/markup-compatibility/2006">
-        <mc:Choice xmlns:a14="http://schemas.microsoft.com/office/drawing/2010/main" Requires="a14">
+      <mc:AlternateContent xmlns:mc="http://schemas.openxmlformats.org/markup-compatibility/2006" xmlns:a14="http://schemas.microsoft.com/office/drawing/2010/main">
+        <mc:Choice Requires="a14">
           <p:sp>
             <p:nvSpPr>
               <p:cNvPr id="10" name="Rectangle 9">
@@ -21948,7 +21961,7 @@
             </p:txBody>
           </p:sp>
         </mc:Choice>
-        <mc:Fallback>
+        <mc:Fallback xmlns="">
           <p:sp>
             <p:nvSpPr>
               <p:cNvPr id="10" name="Rectangle 9">
@@ -21993,8 +22006,8 @@
           </p:sp>
         </mc:Fallback>
       </mc:AlternateContent>
-      <mc:AlternateContent xmlns:mc="http://schemas.openxmlformats.org/markup-compatibility/2006">
-        <mc:Choice xmlns:a14="http://schemas.microsoft.com/office/drawing/2010/main" Requires="a14">
+      <mc:AlternateContent xmlns:mc="http://schemas.openxmlformats.org/markup-compatibility/2006" xmlns:a14="http://schemas.microsoft.com/office/drawing/2010/main">
+        <mc:Choice Requires="a14">
           <p:sp>
             <p:nvSpPr>
               <p:cNvPr id="11" name="Rectangle 10">
@@ -22062,7 +22075,7 @@
             </p:txBody>
           </p:sp>
         </mc:Choice>
-        <mc:Fallback>
+        <mc:Fallback xmlns="">
           <p:sp>
             <p:nvSpPr>
               <p:cNvPr id="11" name="Rectangle 10">
@@ -22107,8 +22120,8 @@
           </p:sp>
         </mc:Fallback>
       </mc:AlternateContent>
-      <mc:AlternateContent xmlns:mc="http://schemas.openxmlformats.org/markup-compatibility/2006">
-        <mc:Choice xmlns:a14="http://schemas.microsoft.com/office/drawing/2010/main" Requires="a14">
+      <mc:AlternateContent xmlns:mc="http://schemas.openxmlformats.org/markup-compatibility/2006" xmlns:a14="http://schemas.microsoft.com/office/drawing/2010/main">
+        <mc:Choice Requires="a14">
           <p:sp>
             <p:nvSpPr>
               <p:cNvPr id="12" name="Rectangle 11">
@@ -22176,7 +22189,7 @@
             </p:txBody>
           </p:sp>
         </mc:Choice>
-        <mc:Fallback>
+        <mc:Fallback xmlns="">
           <p:sp>
             <p:nvSpPr>
               <p:cNvPr id="12" name="Rectangle 11">
@@ -22221,8 +22234,8 @@
           </p:sp>
         </mc:Fallback>
       </mc:AlternateContent>
-      <mc:AlternateContent xmlns:mc="http://schemas.openxmlformats.org/markup-compatibility/2006">
-        <mc:Choice xmlns:a14="http://schemas.microsoft.com/office/drawing/2010/main" Requires="a14">
+      <mc:AlternateContent xmlns:mc="http://schemas.openxmlformats.org/markup-compatibility/2006" xmlns:a14="http://schemas.microsoft.com/office/drawing/2010/main">
+        <mc:Choice Requires="a14">
           <p:sp>
             <p:nvSpPr>
               <p:cNvPr id="13" name="Rectangle 12">
@@ -22290,7 +22303,7 @@
             </p:txBody>
           </p:sp>
         </mc:Choice>
-        <mc:Fallback>
+        <mc:Fallback xmlns="">
           <p:sp>
             <p:nvSpPr>
               <p:cNvPr id="13" name="Rectangle 12">
@@ -22335,8 +22348,8 @@
           </p:sp>
         </mc:Fallback>
       </mc:AlternateContent>
-      <mc:AlternateContent xmlns:mc="http://schemas.openxmlformats.org/markup-compatibility/2006">
-        <mc:Choice xmlns:a14="http://schemas.microsoft.com/office/drawing/2010/main" Requires="a14">
+      <mc:AlternateContent xmlns:mc="http://schemas.openxmlformats.org/markup-compatibility/2006" xmlns:a14="http://schemas.microsoft.com/office/drawing/2010/main">
+        <mc:Choice Requires="a14">
           <p:sp>
             <p:nvSpPr>
               <p:cNvPr id="17" name="Rectangle 16">
@@ -22404,7 +22417,7 @@
             </p:txBody>
           </p:sp>
         </mc:Choice>
-        <mc:Fallback>
+        <mc:Fallback xmlns="">
           <p:sp>
             <p:nvSpPr>
               <p:cNvPr id="17" name="Rectangle 16">
@@ -22449,8 +22462,8 @@
           </p:sp>
         </mc:Fallback>
       </mc:AlternateContent>
-      <mc:AlternateContent xmlns:mc="http://schemas.openxmlformats.org/markup-compatibility/2006">
-        <mc:Choice xmlns:a14="http://schemas.microsoft.com/office/drawing/2010/main" Requires="a14">
+      <mc:AlternateContent xmlns:mc="http://schemas.openxmlformats.org/markup-compatibility/2006" xmlns:a14="http://schemas.microsoft.com/office/drawing/2010/main">
+        <mc:Choice Requires="a14">
           <p:sp>
             <p:nvSpPr>
               <p:cNvPr id="18" name="Rectangle 17">
@@ -22518,7 +22531,7 @@
             </p:txBody>
           </p:sp>
         </mc:Choice>
-        <mc:Fallback>
+        <mc:Fallback xmlns="">
           <p:sp>
             <p:nvSpPr>
               <p:cNvPr id="18" name="Rectangle 17">
@@ -23098,8 +23111,8 @@
           </a:fontRef>
         </p:style>
       </p:cxnSp>
-      <mc:AlternateContent xmlns:mc="http://schemas.openxmlformats.org/markup-compatibility/2006">
-        <mc:Choice xmlns:a14="http://schemas.microsoft.com/office/drawing/2010/main" Requires="a14">
+      <mc:AlternateContent xmlns:mc="http://schemas.openxmlformats.org/markup-compatibility/2006" xmlns:a14="http://schemas.microsoft.com/office/drawing/2010/main">
+        <mc:Choice Requires="a14">
           <p:sp>
             <p:nvSpPr>
               <p:cNvPr id="34" name="Rectangle 33">
@@ -23180,7 +23193,7 @@
             </p:txBody>
           </p:sp>
         </mc:Choice>
-        <mc:Fallback>
+        <mc:Fallback xmlns="">
           <p:sp>
             <p:nvSpPr>
               <p:cNvPr id="34" name="Rectangle 33">
@@ -23225,8 +23238,8 @@
           </p:sp>
         </mc:Fallback>
       </mc:AlternateContent>
-      <mc:AlternateContent xmlns:mc="http://schemas.openxmlformats.org/markup-compatibility/2006">
-        <mc:Choice xmlns:a14="http://schemas.microsoft.com/office/drawing/2010/main" Requires="a14">
+      <mc:AlternateContent xmlns:mc="http://schemas.openxmlformats.org/markup-compatibility/2006" xmlns:a14="http://schemas.microsoft.com/office/drawing/2010/main">
+        <mc:Choice Requires="a14">
           <p:sp>
             <p:nvSpPr>
               <p:cNvPr id="35" name="Rectangle 34">
@@ -23307,7 +23320,7 @@
             </p:txBody>
           </p:sp>
         </mc:Choice>
-        <mc:Fallback>
+        <mc:Fallback xmlns="">
           <p:sp>
             <p:nvSpPr>
               <p:cNvPr id="35" name="Rectangle 34">
@@ -23352,8 +23365,8 @@
           </p:sp>
         </mc:Fallback>
       </mc:AlternateContent>
-      <mc:AlternateContent xmlns:mc="http://schemas.openxmlformats.org/markup-compatibility/2006">
-        <mc:Choice xmlns:a14="http://schemas.microsoft.com/office/drawing/2010/main" Requires="a14">
+      <mc:AlternateContent xmlns:mc="http://schemas.openxmlformats.org/markup-compatibility/2006" xmlns:a14="http://schemas.microsoft.com/office/drawing/2010/main">
+        <mc:Choice Requires="a14">
           <p:sp>
             <p:nvSpPr>
               <p:cNvPr id="36" name="Rectangle 35">
@@ -23427,7 +23440,7 @@
             </p:txBody>
           </p:sp>
         </mc:Choice>
-        <mc:Fallback>
+        <mc:Fallback xmlns="">
           <p:sp>
             <p:nvSpPr>
               <p:cNvPr id="36" name="Rectangle 35">
@@ -24641,8 +24654,8 @@
           </a:p>
         </p:txBody>
       </p:sp>
-      <mc:AlternateContent xmlns:mc="http://schemas.openxmlformats.org/markup-compatibility/2006">
-        <mc:Choice xmlns:a14="http://schemas.microsoft.com/office/drawing/2010/main" Requires="a14">
+      <mc:AlternateContent xmlns:mc="http://schemas.openxmlformats.org/markup-compatibility/2006" xmlns:a14="http://schemas.microsoft.com/office/drawing/2010/main">
+        <mc:Choice Requires="a14">
           <p:sp>
             <p:nvSpPr>
               <p:cNvPr id="3" name="Content Placeholder 2">
@@ -26136,7 +26149,7 @@
             </p:txBody>
           </p:sp>
         </mc:Choice>
-        <mc:Fallback>
+        <mc:Fallback xmlns="">
           <p:sp>
             <p:nvSpPr>
               <p:cNvPr id="3" name="Content Placeholder 2">
@@ -26509,8 +26522,8 @@
           </a:fontRef>
         </p:style>
       </p:cxnSp>
-      <mc:AlternateContent xmlns:mc="http://schemas.openxmlformats.org/markup-compatibility/2006">
-        <mc:Choice xmlns:a14="http://schemas.microsoft.com/office/drawing/2010/main" Requires="a14">
+      <mc:AlternateContent xmlns:mc="http://schemas.openxmlformats.org/markup-compatibility/2006" xmlns:a14="http://schemas.microsoft.com/office/drawing/2010/main">
+        <mc:Choice Requires="a14">
           <p:sp>
             <p:nvSpPr>
               <p:cNvPr id="11" name="TextBox 10">
@@ -26569,7 +26582,7 @@
             </p:txBody>
           </p:sp>
         </mc:Choice>
-        <mc:Fallback>
+        <mc:Fallback xmlns="">
           <p:sp>
             <p:nvSpPr>
               <p:cNvPr id="11" name="TextBox 10">
@@ -26661,8 +26674,8 @@
           </a:fontRef>
         </p:style>
       </p:cxnSp>
-      <mc:AlternateContent xmlns:mc="http://schemas.openxmlformats.org/markup-compatibility/2006">
-        <mc:Choice xmlns:a14="http://schemas.microsoft.com/office/drawing/2010/main" Requires="a14">
+      <mc:AlternateContent xmlns:mc="http://schemas.openxmlformats.org/markup-compatibility/2006" xmlns:a14="http://schemas.microsoft.com/office/drawing/2010/main">
+        <mc:Choice Requires="a14">
           <p:sp>
             <p:nvSpPr>
               <p:cNvPr id="22" name="TextBox 21">
@@ -26724,7 +26737,7 @@
             </p:txBody>
           </p:sp>
         </mc:Choice>
-        <mc:Fallback>
+        <mc:Fallback xmlns="">
           <p:sp>
             <p:nvSpPr>
               <p:cNvPr id="22" name="TextBox 21">
@@ -26769,8 +26782,8 @@
           </p:sp>
         </mc:Fallback>
       </mc:AlternateContent>
-      <mc:AlternateContent xmlns:mc="http://schemas.openxmlformats.org/markup-compatibility/2006">
-        <mc:Choice xmlns:a14="http://schemas.microsoft.com/office/drawing/2010/main" Requires="a14">
+      <mc:AlternateContent xmlns:mc="http://schemas.openxmlformats.org/markup-compatibility/2006" xmlns:a14="http://schemas.microsoft.com/office/drawing/2010/main">
+        <mc:Choice Requires="a14">
           <p:sp>
             <p:nvSpPr>
               <p:cNvPr id="23" name="TextBox 22">
@@ -26832,7 +26845,7 @@
             </p:txBody>
           </p:sp>
         </mc:Choice>
-        <mc:Fallback>
+        <mc:Fallback xmlns="">
           <p:sp>
             <p:nvSpPr>
               <p:cNvPr id="23" name="TextBox 22">
@@ -27909,8 +27922,8 @@
           </a:p>
         </p:txBody>
       </p:sp>
-      <mc:AlternateContent xmlns:mc="http://schemas.openxmlformats.org/markup-compatibility/2006">
-        <mc:Choice xmlns:a14="http://schemas.microsoft.com/office/drawing/2010/main" Requires="a14">
+      <mc:AlternateContent xmlns:mc="http://schemas.openxmlformats.org/markup-compatibility/2006" xmlns:a14="http://schemas.microsoft.com/office/drawing/2010/main">
+        <mc:Choice Requires="a14">
           <p:sp>
             <p:nvSpPr>
               <p:cNvPr id="3" name="Content Placeholder 2">
@@ -28454,13 +28467,7 @@
                         <a:rPr lang="en-US" b="0" i="1" smtClean="0">
                           <a:latin typeface="Cambria Math" panose="02040503050406030204" pitchFamily="18" charset="0"/>
                         </a:rPr>
-                        <m:t>]</m:t>
-                      </m:r>
-                      <m:r>
-                        <a:rPr lang="en-US" b="0" i="1" smtClean="0">
-                          <a:latin typeface="Cambria Math" panose="02040503050406030204" pitchFamily="18" charset="0"/>
-                        </a:rPr>
-                        <m:t>=</m:t>
+                        <m:t>]=</m:t>
                       </m:r>
                       <m:nary>
                         <m:naryPr>
@@ -28987,7 +28994,7 @@
             </p:txBody>
           </p:sp>
         </mc:Choice>
-        <mc:Fallback>
+        <mc:Fallback xmlns="">
           <p:sp>
             <p:nvSpPr>
               <p:cNvPr id="3" name="Content Placeholder 2">
@@ -29814,7 +29821,11 @@
                 <a:pPr lvl="2"/>
                 <a:r>
                   <a:rPr lang="en-US" dirty="0"/>
-                  <a:t>This objective function is convex</a:t>
+                  <a:t>This objective function is convex </a:t>
+                </a:r>
+                <a:r>
+                  <a:rPr lang="en-US" sz="1400" dirty="0"/>
+                  <a:t>(t is variable)</a:t>
                 </a:r>
               </a:p>
               <a:p>
@@ -29865,7 +29876,7 @@
               <a:blipFill>
                 <a:blip r:embed="rId2"/>
                 <a:stretch>
-                  <a:fillRect l="-1043" t="-2381"/>
+                  <a:fillRect l="-1086" t="-25000"/>
                 </a:stretch>
               </a:blipFill>
             </p:spPr>
@@ -29904,8 +29915,8 @@
             <a:chExt cx="2766911" cy="1493520"/>
           </a:xfrm>
         </p:grpSpPr>
-        <mc:AlternateContent xmlns:mc="http://schemas.openxmlformats.org/markup-compatibility/2006">
-          <mc:Choice xmlns:a14="http://schemas.microsoft.com/office/drawing/2010/main" Requires="a14">
+        <mc:AlternateContent xmlns:mc="http://schemas.openxmlformats.org/markup-compatibility/2006" xmlns:a14="http://schemas.microsoft.com/office/drawing/2010/main">
+          <mc:Choice Requires="a14">
             <p:sp>
               <p:nvSpPr>
                 <p:cNvPr id="4" name="TextBox 3">
@@ -30002,7 +30013,7 @@
               </p:txBody>
             </p:sp>
           </mc:Choice>
-          <mc:Fallback>
+          <mc:Fallback xmlns="">
             <p:sp>
               <p:nvSpPr>
                 <p:cNvPr id="4" name="TextBox 3">
@@ -30108,7 +30119,7 @@
             </p:nvSpPr>
             <p:spPr>
               <a:xfrm>
-                <a:off x="6644642" y="3330041"/>
+                <a:off x="6644642" y="3353191"/>
                 <a:ext cx="3962400" cy="853311"/>
               </a:xfrm>
               <a:prstGeom prst="rect">
@@ -30233,13 +30244,7 @@
                             <a:rPr lang="en-US" b="0" i="1" smtClean="0">
                               <a:latin typeface="Cambria Math" panose="02040503050406030204" pitchFamily="18" charset="0"/>
                             </a:rPr>
-                            <m:t>]</m:t>
-                          </m:r>
-                          <m:r>
-                            <a:rPr lang="en-US" b="0" i="1" smtClean="0">
-                              <a:latin typeface="Cambria Math" panose="02040503050406030204" pitchFamily="18" charset="0"/>
-                            </a:rPr>
-                            <m:t>=</m:t>
+                            <m:t>]=</m:t>
                           </m:r>
                         </m:e>
                       </m:nary>
@@ -30499,7 +30504,7 @@
             </p:nvSpPr>
             <p:spPr>
               <a:xfrm>
-                <a:off x="6644642" y="3330041"/>
+                <a:off x="6644642" y="3353191"/>
                 <a:ext cx="3962400" cy="853311"/>
               </a:xfrm>
               <a:prstGeom prst="rect">
@@ -30508,7 +30513,7 @@
               <a:blipFill>
                 <a:blip r:embed="rId4"/>
                 <a:stretch>
-                  <a:fillRect/>
+                  <a:fillRect l="-17572" t="-100000" b="-151471"/>
                 </a:stretch>
               </a:blipFill>
             </p:spPr>
@@ -30527,8 +30532,8 @@
           </p:sp>
         </mc:Fallback>
       </mc:AlternateContent>
-      <mc:AlternateContent xmlns:mc="http://schemas.openxmlformats.org/markup-compatibility/2006">
-        <mc:Choice xmlns:a14="http://schemas.microsoft.com/office/drawing/2010/main" Requires="a14">
+      <mc:AlternateContent xmlns:mc="http://schemas.openxmlformats.org/markup-compatibility/2006" xmlns:a14="http://schemas.microsoft.com/office/drawing/2010/main">
+        <mc:Choice Requires="a14">
           <p:sp>
             <p:nvSpPr>
               <p:cNvPr id="11" name="TextBox 10">
@@ -30627,7 +30632,13 @@
                             <a:rPr lang="en-US" b="0" i="1" dirty="0" smtClean="0">
                               <a:latin typeface="Cambria Math" panose="02040503050406030204" pitchFamily="18" charset="0"/>
                             </a:rPr>
-                            <m:t>=1</m:t>
+                            <m:t>=</m:t>
+                          </m:r>
+                          <m:r>
+                            <a:rPr lang="en-US" b="0" i="1" dirty="0" smtClean="0">
+                              <a:latin typeface="Cambria Math" panose="02040503050406030204" pitchFamily="18" charset="0"/>
+                            </a:rPr>
+                            <m:t>1</m:t>
                           </m:r>
                         </m:sub>
                         <m:sup>
@@ -30863,13 +30874,7 @@
                                 <a:rPr lang="en-US" b="0" i="1" smtClean="0">
                                   <a:latin typeface="Cambria Math" panose="02040503050406030204" pitchFamily="18" charset="0"/>
                                 </a:rPr>
-                                <m:t>)</m:t>
-                              </m:r>
-                              <m:r>
-                                <a:rPr lang="en-US" b="0" i="1" smtClean="0">
-                                  <a:latin typeface="Cambria Math" panose="02040503050406030204" pitchFamily="18" charset="0"/>
-                                </a:rPr>
-                                <m:t>…</m:t>
+                                <m:t>)…</m:t>
                               </m:r>
                               <m:f>
                                 <m:fPr>
@@ -31025,7 +31030,7 @@
             </p:txBody>
           </p:sp>
         </mc:Choice>
-        <mc:Fallback>
+        <mc:Fallback xmlns="">
           <p:sp>
             <p:nvSpPr>
               <p:cNvPr id="11" name="TextBox 10">
@@ -31070,8 +31075,8 @@
           </p:sp>
         </mc:Fallback>
       </mc:AlternateContent>
-      <mc:AlternateContent xmlns:mc="http://schemas.openxmlformats.org/markup-compatibility/2006">
-        <mc:Choice xmlns:a14="http://schemas.microsoft.com/office/drawing/2010/main" Requires="a14">
+      <mc:AlternateContent xmlns:mc="http://schemas.openxmlformats.org/markup-compatibility/2006" xmlns:a14="http://schemas.microsoft.com/office/drawing/2010/main">
+        <mc:Choice Requires="a14">
           <p:sp>
             <p:nvSpPr>
               <p:cNvPr id="12" name="TextBox 11">
@@ -31170,7 +31175,13 @@
                             <a:rPr lang="en-US" b="0" i="1" dirty="0" smtClean="0">
                               <a:latin typeface="Cambria Math" panose="02040503050406030204" pitchFamily="18" charset="0"/>
                             </a:rPr>
-                            <m:t>=1</m:t>
+                            <m:t>=</m:t>
+                          </m:r>
+                          <m:r>
+                            <a:rPr lang="en-US" b="0" i="1" dirty="0" smtClean="0">
+                              <a:latin typeface="Cambria Math" panose="02040503050406030204" pitchFamily="18" charset="0"/>
+                            </a:rPr>
+                            <m:t>1</m:t>
                           </m:r>
                         </m:sub>
                         <m:sup>
@@ -31556,7 +31567,7 @@
             </p:txBody>
           </p:sp>
         </mc:Choice>
-        <mc:Fallback>
+        <mc:Fallback xmlns="">
           <p:sp>
             <p:nvSpPr>
               <p:cNvPr id="12" name="TextBox 11">
@@ -31601,8 +31612,8 @@
           </p:sp>
         </mc:Fallback>
       </mc:AlternateContent>
-      <mc:AlternateContent xmlns:mc="http://schemas.openxmlformats.org/markup-compatibility/2006">
-        <mc:Choice xmlns:a14="http://schemas.microsoft.com/office/drawing/2010/main" Requires="a14">
+      <mc:AlternateContent xmlns:mc="http://schemas.openxmlformats.org/markup-compatibility/2006" xmlns:a14="http://schemas.microsoft.com/office/drawing/2010/main">
+        <mc:Choice Requires="a14">
           <p:sp>
             <p:nvSpPr>
               <p:cNvPr id="14" name="TextBox 13">
@@ -31711,13 +31722,7 @@
                                 <a:rPr lang="en-US" b="0" i="1" dirty="0" smtClean="0">
                                   <a:latin typeface="Cambria Math" panose="02040503050406030204" pitchFamily="18" charset="0"/>
                                 </a:rPr>
-                                <m:t>=</m:t>
-                              </m:r>
-                              <m:r>
-                                <a:rPr lang="en-US" b="0" i="1" dirty="0" smtClean="0">
-                                  <a:latin typeface="Cambria Math" panose="02040503050406030204" pitchFamily="18" charset="0"/>
-                                </a:rPr>
-                                <m:t>1</m:t>
+                                <m:t>=1</m:t>
                               </m:r>
                             </m:sub>
                             <m:sup>
@@ -31864,7 +31869,7 @@
             </p:txBody>
           </p:sp>
         </mc:Choice>
-        <mc:Fallback>
+        <mc:Fallback xmlns="">
           <p:sp>
             <p:nvSpPr>
               <p:cNvPr id="14" name="TextBox 13">
@@ -31909,8 +31914,8 @@
           </p:sp>
         </mc:Fallback>
       </mc:AlternateContent>
-      <mc:AlternateContent xmlns:mc="http://schemas.openxmlformats.org/markup-compatibility/2006">
-        <mc:Choice xmlns:a14="http://schemas.microsoft.com/office/drawing/2010/main" Requires="a14">
+      <mc:AlternateContent xmlns:mc="http://schemas.openxmlformats.org/markup-compatibility/2006" xmlns:a14="http://schemas.microsoft.com/office/drawing/2010/main">
+        <mc:Choice Requires="a14">
           <p:sp>
             <p:nvSpPr>
               <p:cNvPr id="16" name="TextBox 15">
@@ -32302,7 +32307,7 @@
             </p:txBody>
           </p:sp>
         </mc:Choice>
-        <mc:Fallback>
+        <mc:Fallback xmlns="">
           <p:sp>
             <p:nvSpPr>
               <p:cNvPr id="16" name="TextBox 15">
@@ -32347,8 +32352,8 @@
           </p:sp>
         </mc:Fallback>
       </mc:AlternateContent>
-      <mc:AlternateContent xmlns:mc="http://schemas.openxmlformats.org/markup-compatibility/2006">
-        <mc:Choice xmlns:a14="http://schemas.microsoft.com/office/drawing/2010/main" Requires="a14">
+      <mc:AlternateContent xmlns:mc="http://schemas.openxmlformats.org/markup-compatibility/2006" xmlns:a14="http://schemas.microsoft.com/office/drawing/2010/main">
+        <mc:Choice Requires="a14">
           <p:sp>
             <p:nvSpPr>
               <p:cNvPr id="18" name="TextBox 17">
@@ -32706,7 +32711,7 @@
             </p:txBody>
           </p:sp>
         </mc:Choice>
-        <mc:Fallback>
+        <mc:Fallback xmlns="">
           <p:sp>
             <p:nvSpPr>
               <p:cNvPr id="18" name="TextBox 17">
@@ -33666,7 +33671,11 @@
               <a:p>
                 <a:r>
                   <a:rPr lang="en-US" dirty="0"/>
-                  <a:t>The model:</a:t>
+                  <a:t>The model: </a:t>
+                </a:r>
+                <a:r>
+                  <a:rPr lang="en-US" sz="1600" dirty="0"/>
+                  <a:t>(huge matrix)</a:t>
                 </a:r>
               </a:p>
               <a:p>
@@ -33730,7 +33739,7 @@
               <a:blipFill>
                 <a:blip r:embed="rId2"/>
                 <a:stretch>
-                  <a:fillRect l="-1043" t="-2381"/>
+                  <a:fillRect l="-1086" t="-2326"/>
                 </a:stretch>
               </a:blipFill>
             </p:spPr>
@@ -33749,8 +33758,8 @@
           </p:sp>
         </mc:Fallback>
       </mc:AlternateContent>
-      <mc:AlternateContent xmlns:mc="http://schemas.openxmlformats.org/markup-compatibility/2006">
-        <mc:Choice xmlns:a14="http://schemas.microsoft.com/office/drawing/2010/main" Requires="a14">
+      <mc:AlternateContent xmlns:mc="http://schemas.openxmlformats.org/markup-compatibility/2006" xmlns:a14="http://schemas.microsoft.com/office/drawing/2010/main">
+        <mc:Choice Requires="a14">
           <p:sp>
             <p:nvSpPr>
               <p:cNvPr id="4" name="TextBox 3">
@@ -33779,6 +33788,7 @@
               </a:bodyPr>
               <a:lstStyle/>
               <a:p>
+                <a:pPr/>
                 <a14:m>
                   <m:oMathPara xmlns:m="http://schemas.openxmlformats.org/officeDocument/2006/math">
                     <m:oMathParaPr>
@@ -33941,7 +33951,7 @@
             </p:txBody>
           </p:sp>
         </mc:Choice>
-        <mc:Fallback>
+        <mc:Fallback xmlns="">
           <p:sp>
             <p:nvSpPr>
               <p:cNvPr id="4" name="TextBox 3">
@@ -33986,8 +33996,8 @@
           </p:sp>
         </mc:Fallback>
       </mc:AlternateContent>
-      <mc:AlternateContent xmlns:mc="http://schemas.openxmlformats.org/markup-compatibility/2006">
-        <mc:Choice xmlns:a14="http://schemas.microsoft.com/office/drawing/2010/main" Requires="a14">
+      <mc:AlternateContent xmlns:mc="http://schemas.openxmlformats.org/markup-compatibility/2006" xmlns:a14="http://schemas.microsoft.com/office/drawing/2010/main">
+        <mc:Choice Requires="a14">
           <p:sp>
             <p:nvSpPr>
               <p:cNvPr id="6" name="TextBox 5">
@@ -34284,7 +34294,7 @@
             </p:txBody>
           </p:sp>
         </mc:Choice>
-        <mc:Fallback>
+        <mc:Fallback xmlns="">
           <p:sp>
             <p:nvSpPr>
               <p:cNvPr id="6" name="TextBox 5">
@@ -34329,8 +34339,8 @@
           </p:sp>
         </mc:Fallback>
       </mc:AlternateContent>
-      <mc:AlternateContent xmlns:mc="http://schemas.openxmlformats.org/markup-compatibility/2006">
-        <mc:Choice xmlns:a14="http://schemas.microsoft.com/office/drawing/2010/main" Requires="a14">
+      <mc:AlternateContent xmlns:mc="http://schemas.openxmlformats.org/markup-compatibility/2006" xmlns:a14="http://schemas.microsoft.com/office/drawing/2010/main">
+        <mc:Choice Requires="a14">
           <p:sp>
             <p:nvSpPr>
               <p:cNvPr id="7" name="TextBox 6">
@@ -34359,6 +34369,7 @@
               </a:bodyPr>
               <a:lstStyle/>
               <a:p>
+                <a:pPr/>
                 <a14:m>
                   <m:oMathPara xmlns:m="http://schemas.openxmlformats.org/officeDocument/2006/math">
                     <m:oMathParaPr>
@@ -34745,7 +34756,7 @@
             </p:txBody>
           </p:sp>
         </mc:Choice>
-        <mc:Fallback>
+        <mc:Fallback xmlns="">
           <p:sp>
             <p:nvSpPr>
               <p:cNvPr id="7" name="TextBox 6">
@@ -35361,8 +35372,8 @@
           </a:p>
         </p:txBody>
       </p:sp>
-      <mc:AlternateContent xmlns:mc="http://schemas.openxmlformats.org/markup-compatibility/2006">
-        <mc:Choice xmlns:a14="http://schemas.microsoft.com/office/drawing/2010/main" Requires="a14">
+      <mc:AlternateContent xmlns:mc="http://schemas.openxmlformats.org/markup-compatibility/2006" xmlns:a14="http://schemas.microsoft.com/office/drawing/2010/main">
+        <mc:Choice Requires="a14">
           <p:sp>
             <p:nvSpPr>
               <p:cNvPr id="3" name="Content Placeholder 2">
@@ -36114,7 +36125,7 @@
             </p:txBody>
           </p:sp>
         </mc:Choice>
-        <mc:Fallback>
+        <mc:Fallback xmlns="">
           <p:sp>
             <p:nvSpPr>
               <p:cNvPr id="3" name="Content Placeholder 2">
